--- a/figures/resources/variables.pptx
+++ b/figures/resources/variables.pptx
@@ -3342,209 +3342,12 @@
           <a:chExt cx="0" cy="0"/>
         </a:xfrm>
       </p:grpSpPr>
-      <p:sp>
-        <p:nvSpPr>
-          <p:cNvPr id="4" name="TextBox 3">
-            <a:extLst>
-              <a:ext uri="{FF2B5EF4-FFF2-40B4-BE49-F238E27FC236}">
-                <a16:creationId xmlns:a16="http://schemas.microsoft.com/office/drawing/2014/main" id="{2B85B549-DCCF-824B-8727-A01E20EB712C}"/>
-              </a:ext>
-            </a:extLst>
-          </p:cNvPr>
-          <p:cNvSpPr txBox="1"/>
-          <p:nvPr/>
-        </p:nvSpPr>
-        <p:spPr>
-          <a:xfrm>
-            <a:off x="3240809" y="736950"/>
-            <a:ext cx="4493128" cy="369332"/>
-          </a:xfrm>
-          <a:prstGeom prst="rect">
-            <a:avLst/>
-          </a:prstGeom>
-          <a:noFill/>
-        </p:spPr>
-        <p:txBody>
-          <a:bodyPr wrap="square" rtlCol="0">
-            <a:spAutoFit/>
-          </a:bodyPr>
-          <a:lstStyle/>
-          <a:p>
-            <a:r>
-              <a:rPr lang="en-GB" dirty="0">
-                <a:solidFill>
-                  <a:schemeClr val="accent1"/>
-                </a:solidFill>
-              </a:rPr>
-              <a:t>int      </a:t>
-            </a:r>
-            <a:r>
-              <a:rPr lang="en-GB" dirty="0" err="1">
-                <a:solidFill>
-                  <a:srgbClr val="00B050"/>
-                </a:solidFill>
-              </a:rPr>
-              <a:t>MyVariableNumber</a:t>
-            </a:r>
-            <a:r>
-              <a:rPr lang="en-GB" dirty="0">
-                <a:solidFill>
-                  <a:schemeClr val="accent1"/>
-                </a:solidFill>
-              </a:rPr>
-              <a:t> </a:t>
-            </a:r>
-            <a:r>
-              <a:rPr lang="en-GB" dirty="0"/>
-              <a:t>=</a:t>
-            </a:r>
-            <a:r>
-              <a:rPr lang="en-GB" dirty="0">
-                <a:solidFill>
-                  <a:srgbClr val="00B050"/>
-                </a:solidFill>
-              </a:rPr>
-              <a:t>     </a:t>
-            </a:r>
-            <a:r>
-              <a:rPr lang="en-GB" dirty="0">
-                <a:solidFill>
-                  <a:srgbClr val="FF0000"/>
-                </a:solidFill>
-              </a:rPr>
-              <a:t>5</a:t>
-            </a:r>
-            <a:r>
-              <a:rPr lang="en-GB" dirty="0"/>
-              <a:t>;</a:t>
-            </a:r>
-            <a:endParaRPr lang="en-DE" dirty="0"/>
-          </a:p>
-        </p:txBody>
-      </p:sp>
-      <p:sp>
-        <p:nvSpPr>
-          <p:cNvPr id="11" name="TextBox 10">
-            <a:extLst>
-              <a:ext uri="{FF2B5EF4-FFF2-40B4-BE49-F238E27FC236}">
-                <a16:creationId xmlns:a16="http://schemas.microsoft.com/office/drawing/2014/main" id="{2ADC0A77-CADD-BE44-806F-AFE9A60D387B}"/>
-              </a:ext>
-            </a:extLst>
-          </p:cNvPr>
-          <p:cNvSpPr txBox="1"/>
-          <p:nvPr/>
-        </p:nvSpPr>
-        <p:spPr>
-          <a:xfrm>
-            <a:off x="3146153" y="272517"/>
-            <a:ext cx="627864" cy="369332"/>
-          </a:xfrm>
-          <a:prstGeom prst="rect">
-            <a:avLst/>
-          </a:prstGeom>
-          <a:noFill/>
-        </p:spPr>
-        <p:txBody>
-          <a:bodyPr wrap="none" rtlCol="0">
-            <a:spAutoFit/>
-          </a:bodyPr>
-          <a:lstStyle/>
-          <a:p>
-            <a:r>
-              <a:rPr lang="en-DE" dirty="0">
-                <a:solidFill>
-                  <a:schemeClr val="accent1"/>
-                </a:solidFill>
-              </a:rPr>
-              <a:t>Type</a:t>
-            </a:r>
-          </a:p>
-        </p:txBody>
-      </p:sp>
-      <p:sp>
-        <p:nvSpPr>
-          <p:cNvPr id="12" name="TextBox 11">
-            <a:extLst>
-              <a:ext uri="{FF2B5EF4-FFF2-40B4-BE49-F238E27FC236}">
-                <a16:creationId xmlns:a16="http://schemas.microsoft.com/office/drawing/2014/main" id="{BF051A14-CFEB-944B-8AC7-63EA1A6C91CF}"/>
-              </a:ext>
-            </a:extLst>
-          </p:cNvPr>
-          <p:cNvSpPr txBox="1"/>
-          <p:nvPr/>
-        </p:nvSpPr>
-        <p:spPr>
-          <a:xfrm>
-            <a:off x="5738607" y="272517"/>
-            <a:ext cx="862737" cy="369332"/>
-          </a:xfrm>
-          <a:prstGeom prst="rect">
-            <a:avLst/>
-          </a:prstGeom>
-          <a:noFill/>
-        </p:spPr>
-        <p:txBody>
-          <a:bodyPr wrap="none" rtlCol="0">
-            <a:spAutoFit/>
-          </a:bodyPr>
-          <a:lstStyle/>
-          <a:p>
-            <a:r>
-              <a:rPr lang="en-DE" dirty="0">
-                <a:solidFill>
-                  <a:srgbClr val="FF0000"/>
-                </a:solidFill>
-              </a:rPr>
-              <a:t>   Value</a:t>
-            </a:r>
-          </a:p>
-        </p:txBody>
-      </p:sp>
-      <p:sp>
-        <p:nvSpPr>
-          <p:cNvPr id="13" name="TextBox 12">
-            <a:extLst>
-              <a:ext uri="{FF2B5EF4-FFF2-40B4-BE49-F238E27FC236}">
-                <a16:creationId xmlns:a16="http://schemas.microsoft.com/office/drawing/2014/main" id="{D05CE433-07D3-A246-9E85-DD0A2F50C40D}"/>
-              </a:ext>
-            </a:extLst>
-          </p:cNvPr>
-          <p:cNvSpPr txBox="1"/>
-          <p:nvPr/>
-        </p:nvSpPr>
-        <p:spPr>
-          <a:xfrm>
-            <a:off x="4380348" y="272517"/>
-            <a:ext cx="744114" cy="369332"/>
-          </a:xfrm>
-          <a:prstGeom prst="rect">
-            <a:avLst/>
-          </a:prstGeom>
-          <a:noFill/>
-        </p:spPr>
-        <p:txBody>
-          <a:bodyPr wrap="none" rtlCol="0">
-            <a:spAutoFit/>
-          </a:bodyPr>
-          <a:lstStyle/>
-          <a:p>
-            <a:r>
-              <a:rPr lang="en-DE" dirty="0">
-                <a:solidFill>
-                  <a:srgbClr val="00B050"/>
-                </a:solidFill>
-              </a:rPr>
-              <a:t>Name</a:t>
-            </a:r>
-          </a:p>
-        </p:txBody>
-      </p:sp>
       <p:grpSp>
         <p:nvGrpSpPr>
-          <p:cNvPr id="28" name="Group 27">
-            <a:extLst>
-              <a:ext uri="{FF2B5EF4-FFF2-40B4-BE49-F238E27FC236}">
-                <a16:creationId xmlns:a16="http://schemas.microsoft.com/office/drawing/2014/main" id="{AC3FC2E2-FC4C-E74E-A8C2-75A58A57ED48}"/>
+          <p:cNvPr id="32" name="Group 31">
+            <a:extLst>
+              <a:ext uri="{FF2B5EF4-FFF2-40B4-BE49-F238E27FC236}">
+                <a16:creationId xmlns:a16="http://schemas.microsoft.com/office/drawing/2014/main" id="{97FE8FC0-CC52-414F-8F67-B460BD867ADD}"/>
               </a:ext>
             </a:extLst>
           </p:cNvPr>
@@ -3553,56 +3356,18 @@
         </p:nvGrpSpPr>
         <p:grpSpPr>
           <a:xfrm>
-            <a:off x="2133914" y="1886917"/>
-            <a:ext cx="2511435" cy="2751439"/>
-            <a:chOff x="836309" y="2051489"/>
-            <a:chExt cx="2511435" cy="2751439"/>
+            <a:off x="3463093" y="1130356"/>
+            <a:ext cx="5847504" cy="4365839"/>
+            <a:chOff x="2133914" y="272517"/>
+            <a:chExt cx="5847504" cy="4365839"/>
           </a:xfrm>
         </p:grpSpPr>
-        <p:pic>
-          <p:nvPicPr>
-            <p:cNvPr id="15" name="Picture 14">
+        <p:sp>
+          <p:nvSpPr>
+            <p:cNvPr id="4" name="TextBox 3">
               <a:extLst>
                 <a:ext uri="{FF2B5EF4-FFF2-40B4-BE49-F238E27FC236}">
-                  <a16:creationId xmlns:a16="http://schemas.microsoft.com/office/drawing/2014/main" id="{BD636C08-C06D-7E47-A5CC-4CEF5F151921}"/>
-                </a:ext>
-              </a:extLst>
-            </p:cNvPr>
-            <p:cNvPicPr>
-              <a:picLocks noChangeAspect="1"/>
-            </p:cNvPicPr>
-            <p:nvPr/>
-          </p:nvPicPr>
-          <p:blipFill>
-            <a:blip r:embed="rId2">
-              <a:duotone>
-                <a:schemeClr val="accent5">
-                  <a:shade val="45000"/>
-                  <a:satMod val="135000"/>
-                </a:schemeClr>
-                <a:prstClr val="white"/>
-              </a:duotone>
-            </a:blip>
-            <a:stretch>
-              <a:fillRect/>
-            </a:stretch>
-          </p:blipFill>
-          <p:spPr>
-            <a:xfrm>
-              <a:off x="930253" y="2504480"/>
-              <a:ext cx="2417491" cy="2298448"/>
-            </a:xfrm>
-            <a:prstGeom prst="rect">
-              <a:avLst/>
-            </a:prstGeom>
-          </p:spPr>
-        </p:pic>
-        <p:sp>
-          <p:nvSpPr>
-            <p:cNvPr id="16" name="TextBox 15">
-              <a:extLst>
-                <a:ext uri="{FF2B5EF4-FFF2-40B4-BE49-F238E27FC236}">
-                  <a16:creationId xmlns:a16="http://schemas.microsoft.com/office/drawing/2014/main" id="{BF798EBC-33CD-9441-8C5E-B3AD0908E691}"/>
+                  <a16:creationId xmlns:a16="http://schemas.microsoft.com/office/drawing/2014/main" id="{2B85B549-DCCF-824B-8727-A01E20EB712C}"/>
                 </a:ext>
               </a:extLst>
             </p:cNvPr>
@@ -3611,8 +3376,8 @@
           </p:nvSpPr>
           <p:spPr>
             <a:xfrm>
-              <a:off x="836309" y="4329902"/>
-              <a:ext cx="2417491" cy="369332"/>
+              <a:off x="3240809" y="736950"/>
+              <a:ext cx="4493128" cy="369332"/>
             </a:xfrm>
             <a:prstGeom prst="rect">
               <a:avLst/>
@@ -3626,22 +3391,63 @@
             <a:lstStyle/>
             <a:p>
               <a:r>
-                <a:rPr lang="en-DE" dirty="0">
+                <a:rPr lang="en-GB" dirty="0">
+                  <a:solidFill>
+                    <a:schemeClr val="accent1"/>
+                  </a:solidFill>
+                </a:rPr>
+                <a:t>int      </a:t>
+              </a:r>
+              <a:r>
+                <a:rPr lang="en-GB" dirty="0" err="1">
                   <a:solidFill>
                     <a:srgbClr val="00B050"/>
                   </a:solidFill>
                 </a:rPr>
                 <a:t>MyVariableNumber</a:t>
               </a:r>
+              <a:r>
+                <a:rPr lang="en-GB" dirty="0">
+                  <a:solidFill>
+                    <a:schemeClr val="accent1"/>
+                  </a:solidFill>
+                </a:rPr>
+                <a:t> </a:t>
+              </a:r>
+              <a:r>
+                <a:rPr lang="en-GB" dirty="0"/>
+                <a:t>=</a:t>
+              </a:r>
+              <a:r>
+                <a:rPr lang="en-GB" dirty="0">
+                  <a:solidFill>
+                    <a:srgbClr val="00B050"/>
+                  </a:solidFill>
+                </a:rPr>
+                <a:t>     </a:t>
+              </a:r>
+              <a:r>
+                <a:rPr lang="en-GB" dirty="0">
+                  <a:solidFill>
+                    <a:srgbClr val="FF0000"/>
+                  </a:solidFill>
+                </a:rPr>
+                <a:t>5</a:t>
+              </a:r>
+              <a:r>
+                <a:rPr lang="en-GB" dirty="0"/>
+                <a:t>;</a:t>
+              </a:r>
+              <a:endParaRPr lang="en-DE" dirty="0"/>
             </a:p>
           </p:txBody>
         </p:sp>
         <p:sp>
           <p:nvSpPr>
-            <p:cNvPr id="17" name="TextBox 16">
+            <p:cNvPr id="11" name="TextBox 10">
               <a:extLst>
                 <a:ext uri="{FF2B5EF4-FFF2-40B4-BE49-F238E27FC236}">
-                  <a16:creationId xmlns:a16="http://schemas.microsoft.com/office/drawing/2014/main" id="{CA0C8288-33D7-3849-8D59-507DE806DD0A}"/>
+                  <a16:creationId xmlns:a16="http://schemas.microsoft.com/office/drawing/2014/main" id="{2ADC0A77-CADD-BE44-806F-AFE9A60D387B}"/>
                 </a:ext>
               </a:extLst>
             </p:cNvPr>
@@ -3650,8 +3456,609 @@
           </p:nvSpPr>
           <p:spPr>
             <a:xfrm>
-              <a:off x="1515947" y="2051489"/>
-              <a:ext cx="428299" cy="369332"/>
+              <a:off x="3146153" y="272517"/>
+              <a:ext cx="627864" cy="369332"/>
+            </a:xfrm>
+            <a:prstGeom prst="rect">
+              <a:avLst/>
+            </a:prstGeom>
+            <a:noFill/>
+          </p:spPr>
+          <p:txBody>
+            <a:bodyPr wrap="none" rtlCol="0">
+              <a:spAutoFit/>
+            </a:bodyPr>
+            <a:lstStyle/>
+            <a:p>
+              <a:r>
+                <a:rPr lang="en-DE" dirty="0">
+                  <a:solidFill>
+                    <a:schemeClr val="accent1"/>
+                  </a:solidFill>
+                </a:rPr>
+                <a:t>Type</a:t>
+              </a:r>
+            </a:p>
+          </p:txBody>
+        </p:sp>
+        <p:sp>
+          <p:nvSpPr>
+            <p:cNvPr id="12" name="TextBox 11">
+              <a:extLst>
+                <a:ext uri="{FF2B5EF4-FFF2-40B4-BE49-F238E27FC236}">
+                  <a16:creationId xmlns:a16="http://schemas.microsoft.com/office/drawing/2014/main" id="{BF051A14-CFEB-944B-8AC7-63EA1A6C91CF}"/>
+                </a:ext>
+              </a:extLst>
+            </p:cNvPr>
+            <p:cNvSpPr txBox="1"/>
+            <p:nvPr/>
+          </p:nvSpPr>
+          <p:spPr>
+            <a:xfrm>
+              <a:off x="5738607" y="272517"/>
+              <a:ext cx="862737" cy="369332"/>
+            </a:xfrm>
+            <a:prstGeom prst="rect">
+              <a:avLst/>
+            </a:prstGeom>
+            <a:noFill/>
+          </p:spPr>
+          <p:txBody>
+            <a:bodyPr wrap="none" rtlCol="0">
+              <a:spAutoFit/>
+            </a:bodyPr>
+            <a:lstStyle/>
+            <a:p>
+              <a:r>
+                <a:rPr lang="en-DE" dirty="0">
+                  <a:solidFill>
+                    <a:srgbClr val="FF0000"/>
+                  </a:solidFill>
+                </a:rPr>
+                <a:t>   Value</a:t>
+              </a:r>
+            </a:p>
+          </p:txBody>
+        </p:sp>
+        <p:sp>
+          <p:nvSpPr>
+            <p:cNvPr id="13" name="TextBox 12">
+              <a:extLst>
+                <a:ext uri="{FF2B5EF4-FFF2-40B4-BE49-F238E27FC236}">
+                  <a16:creationId xmlns:a16="http://schemas.microsoft.com/office/drawing/2014/main" id="{D05CE433-07D3-A246-9E85-DD0A2F50C40D}"/>
+                </a:ext>
+              </a:extLst>
+            </p:cNvPr>
+            <p:cNvSpPr txBox="1"/>
+            <p:nvPr/>
+          </p:nvSpPr>
+          <p:spPr>
+            <a:xfrm>
+              <a:off x="4380348" y="272517"/>
+              <a:ext cx="744114" cy="369332"/>
+            </a:xfrm>
+            <a:prstGeom prst="rect">
+              <a:avLst/>
+            </a:prstGeom>
+            <a:noFill/>
+          </p:spPr>
+          <p:txBody>
+            <a:bodyPr wrap="none" rtlCol="0">
+              <a:spAutoFit/>
+            </a:bodyPr>
+            <a:lstStyle/>
+            <a:p>
+              <a:r>
+                <a:rPr lang="en-DE" dirty="0">
+                  <a:solidFill>
+                    <a:srgbClr val="00B050"/>
+                  </a:solidFill>
+                </a:rPr>
+                <a:t>Name</a:t>
+              </a:r>
+            </a:p>
+          </p:txBody>
+        </p:sp>
+        <p:grpSp>
+          <p:nvGrpSpPr>
+            <p:cNvPr id="28" name="Group 27">
+              <a:extLst>
+                <a:ext uri="{FF2B5EF4-FFF2-40B4-BE49-F238E27FC236}">
+                  <a16:creationId xmlns:a16="http://schemas.microsoft.com/office/drawing/2014/main" id="{AC3FC2E2-FC4C-E74E-A8C2-75A58A57ED48}"/>
+                </a:ext>
+              </a:extLst>
+            </p:cNvPr>
+            <p:cNvGrpSpPr/>
+            <p:nvPr/>
+          </p:nvGrpSpPr>
+          <p:grpSpPr>
+            <a:xfrm>
+              <a:off x="2133914" y="1886917"/>
+              <a:ext cx="2511435" cy="2751439"/>
+              <a:chOff x="836309" y="2051489"/>
+              <a:chExt cx="2511435" cy="2751439"/>
+            </a:xfrm>
+          </p:grpSpPr>
+          <p:pic>
+            <p:nvPicPr>
+              <p:cNvPr id="15" name="Picture 14">
+                <a:extLst>
+                  <a:ext uri="{FF2B5EF4-FFF2-40B4-BE49-F238E27FC236}">
+                    <a16:creationId xmlns:a16="http://schemas.microsoft.com/office/drawing/2014/main" id="{BD636C08-C06D-7E47-A5CC-4CEF5F151921}"/>
+                  </a:ext>
+                </a:extLst>
+              </p:cNvPr>
+              <p:cNvPicPr>
+                <a:picLocks noChangeAspect="1"/>
+              </p:cNvPicPr>
+              <p:nvPr/>
+            </p:nvPicPr>
+            <p:blipFill>
+              <a:blip r:embed="rId2">
+                <a:duotone>
+                  <a:schemeClr val="accent5">
+                    <a:shade val="45000"/>
+                    <a:satMod val="135000"/>
+                  </a:schemeClr>
+                  <a:prstClr val="white"/>
+                </a:duotone>
+              </a:blip>
+              <a:stretch>
+                <a:fillRect/>
+              </a:stretch>
+            </p:blipFill>
+            <p:spPr>
+              <a:xfrm>
+                <a:off x="930253" y="2504480"/>
+                <a:ext cx="2417491" cy="2298448"/>
+              </a:xfrm>
+              <a:prstGeom prst="rect">
+                <a:avLst/>
+              </a:prstGeom>
+            </p:spPr>
+          </p:pic>
+          <p:sp>
+            <p:nvSpPr>
+              <p:cNvPr id="16" name="TextBox 15">
+                <a:extLst>
+                  <a:ext uri="{FF2B5EF4-FFF2-40B4-BE49-F238E27FC236}">
+                    <a16:creationId xmlns:a16="http://schemas.microsoft.com/office/drawing/2014/main" id="{BF798EBC-33CD-9441-8C5E-B3AD0908E691}"/>
+                  </a:ext>
+                </a:extLst>
+              </p:cNvPr>
+              <p:cNvSpPr txBox="1"/>
+              <p:nvPr/>
+            </p:nvSpPr>
+            <p:spPr>
+              <a:xfrm>
+                <a:off x="836309" y="4329902"/>
+                <a:ext cx="2417491" cy="369332"/>
+              </a:xfrm>
+              <a:prstGeom prst="rect">
+                <a:avLst/>
+              </a:prstGeom>
+              <a:noFill/>
+            </p:spPr>
+            <p:txBody>
+              <a:bodyPr wrap="square" rtlCol="0">
+                <a:spAutoFit/>
+              </a:bodyPr>
+              <a:lstStyle/>
+              <a:p>
+                <a:r>
+                  <a:rPr lang="en-DE" dirty="0">
+                    <a:solidFill>
+                      <a:srgbClr val="00B050"/>
+                    </a:solidFill>
+                  </a:rPr>
+                  <a:t>MyVariableNumber</a:t>
+                </a:r>
+              </a:p>
+            </p:txBody>
+          </p:sp>
+          <p:sp>
+            <p:nvSpPr>
+              <p:cNvPr id="17" name="TextBox 16">
+                <a:extLst>
+                  <a:ext uri="{FF2B5EF4-FFF2-40B4-BE49-F238E27FC236}">
+                    <a16:creationId xmlns:a16="http://schemas.microsoft.com/office/drawing/2014/main" id="{CA0C8288-33D7-3849-8D59-507DE806DD0A}"/>
+                  </a:ext>
+                </a:extLst>
+              </p:cNvPr>
+              <p:cNvSpPr txBox="1"/>
+              <p:nvPr/>
+            </p:nvSpPr>
+            <p:spPr>
+              <a:xfrm>
+                <a:off x="1515947" y="2051489"/>
+                <a:ext cx="428299" cy="369332"/>
+              </a:xfrm>
+              <a:prstGeom prst="rect">
+                <a:avLst/>
+              </a:prstGeom>
+              <a:noFill/>
+            </p:spPr>
+            <p:txBody>
+              <a:bodyPr wrap="square" rtlCol="0">
+                <a:spAutoFit/>
+              </a:bodyPr>
+              <a:lstStyle/>
+              <a:p>
+                <a:r>
+                  <a:rPr lang="en-DE" dirty="0">
+                    <a:solidFill>
+                      <a:srgbClr val="FF0000"/>
+                    </a:solidFill>
+                  </a:rPr>
+                  <a:t>5</a:t>
+                </a:r>
+              </a:p>
+            </p:txBody>
+          </p:sp>
+          <p:sp>
+            <p:nvSpPr>
+              <p:cNvPr id="18" name="Freeform 17">
+                <a:extLst>
+                  <a:ext uri="{FF2B5EF4-FFF2-40B4-BE49-F238E27FC236}">
+                    <a16:creationId xmlns:a16="http://schemas.microsoft.com/office/drawing/2014/main" id="{37D04DB5-9570-4747-A254-33A2BFB3A303}"/>
+                  </a:ext>
+                </a:extLst>
+              </p:cNvPr>
+              <p:cNvSpPr/>
+              <p:nvPr/>
+            </p:nvSpPr>
+            <p:spPr>
+              <a:xfrm>
+                <a:off x="1890368" y="2337162"/>
+                <a:ext cx="248631" cy="599296"/>
+              </a:xfrm>
+              <a:custGeom>
+                <a:avLst/>
+                <a:gdLst>
+                  <a:gd name="connsiteX0" fmla="*/ 0 w 175131"/>
+                  <a:gd name="connsiteY0" fmla="*/ 0 h 422133"/>
+                  <a:gd name="connsiteX1" fmla="*/ 102741 w 175131"/>
+                  <a:gd name="connsiteY1" fmla="*/ 41097 h 422133"/>
+                  <a:gd name="connsiteX2" fmla="*/ 123290 w 175131"/>
+                  <a:gd name="connsiteY2" fmla="*/ 71920 h 422133"/>
+                  <a:gd name="connsiteX3" fmla="*/ 154112 w 175131"/>
+                  <a:gd name="connsiteY3" fmla="*/ 133564 h 422133"/>
+                  <a:gd name="connsiteX4" fmla="*/ 164386 w 175131"/>
+                  <a:gd name="connsiteY4" fmla="*/ 164387 h 422133"/>
+                  <a:gd name="connsiteX5" fmla="*/ 164386 w 175131"/>
+                  <a:gd name="connsiteY5" fmla="*/ 349322 h 422133"/>
+                  <a:gd name="connsiteX6" fmla="*/ 133564 w 175131"/>
+                  <a:gd name="connsiteY6" fmla="*/ 410967 h 422133"/>
+                </a:gdLst>
+                <a:ahLst/>
+                <a:cxnLst>
+                  <a:cxn ang="0">
+                    <a:pos x="connsiteX0" y="connsiteY0"/>
+                  </a:cxn>
+                  <a:cxn ang="0">
+                    <a:pos x="connsiteX1" y="connsiteY1"/>
+                  </a:cxn>
+                  <a:cxn ang="0">
+                    <a:pos x="connsiteX2" y="connsiteY2"/>
+                  </a:cxn>
+                  <a:cxn ang="0">
+                    <a:pos x="connsiteX3" y="connsiteY3"/>
+                  </a:cxn>
+                  <a:cxn ang="0">
+                    <a:pos x="connsiteX4" y="connsiteY4"/>
+                  </a:cxn>
+                  <a:cxn ang="0">
+                    <a:pos x="connsiteX5" y="connsiteY5"/>
+                  </a:cxn>
+                  <a:cxn ang="0">
+                    <a:pos x="connsiteX6" y="connsiteY6"/>
+                  </a:cxn>
+                </a:cxnLst>
+                <a:rect l="l" t="t" r="r" b="b"/>
+                <a:pathLst>
+                  <a:path w="175131" h="422133">
+                    <a:moveTo>
+                      <a:pt x="0" y="0"/>
+                    </a:moveTo>
+                    <a:cubicBezTo>
+                      <a:pt x="35200" y="10058"/>
+                      <a:pt x="75239" y="13595"/>
+                      <a:pt x="102741" y="41097"/>
+                    </a:cubicBezTo>
+                    <a:cubicBezTo>
+                      <a:pt x="111473" y="49829"/>
+                      <a:pt x="116440" y="61646"/>
+                      <a:pt x="123290" y="71920"/>
+                    </a:cubicBezTo>
+                    <a:cubicBezTo>
+                      <a:pt x="149115" y="149395"/>
+                      <a:pt x="114278" y="53894"/>
+                      <a:pt x="154112" y="133564"/>
+                    </a:cubicBezTo>
+                    <a:cubicBezTo>
+                      <a:pt x="158955" y="143251"/>
+                      <a:pt x="160961" y="154113"/>
+                      <a:pt x="164386" y="164387"/>
+                    </a:cubicBezTo>
+                    <a:cubicBezTo>
+                      <a:pt x="179012" y="266770"/>
+                      <a:pt x="178411" y="223097"/>
+                      <a:pt x="164386" y="349322"/>
+                    </a:cubicBezTo>
+                    <a:cubicBezTo>
+                      <a:pt x="155420" y="430017"/>
+                      <a:pt x="175016" y="431693"/>
+                      <a:pt x="133564" y="410967"/>
+                    </a:cubicBezTo>
+                  </a:path>
+                </a:pathLst>
+              </a:custGeom>
+              <a:noFill/>
+              <a:ln>
+                <a:headEnd type="none" w="med" len="med"/>
+                <a:tailEnd type="triangle" w="med" len="med"/>
+              </a:ln>
+            </p:spPr>
+            <p:style>
+              <a:lnRef idx="2">
+                <a:schemeClr val="accent1">
+                  <a:shade val="50000"/>
+                </a:schemeClr>
+              </a:lnRef>
+              <a:fillRef idx="1">
+                <a:schemeClr val="accent1"/>
+              </a:fillRef>
+              <a:effectRef idx="0">
+                <a:schemeClr val="accent1"/>
+              </a:effectRef>
+              <a:fontRef idx="minor">
+                <a:schemeClr val="lt1"/>
+              </a:fontRef>
+            </p:style>
+            <p:txBody>
+              <a:bodyPr rtlCol="0" anchor="ctr"/>
+              <a:lstStyle/>
+              <a:p>
+                <a:pPr algn="ctr"/>
+                <a:endParaRPr lang="en-DE"/>
+              </a:p>
+            </p:txBody>
+          </p:sp>
+        </p:grpSp>
+        <p:grpSp>
+          <p:nvGrpSpPr>
+            <p:cNvPr id="29" name="Group 28">
+              <a:extLst>
+                <a:ext uri="{FF2B5EF4-FFF2-40B4-BE49-F238E27FC236}">
+                  <a16:creationId xmlns:a16="http://schemas.microsoft.com/office/drawing/2014/main" id="{BD7B65EA-33BF-1E4D-8F7E-EECDCFB29745}"/>
+                </a:ext>
+              </a:extLst>
+            </p:cNvPr>
+            <p:cNvGrpSpPr/>
+            <p:nvPr/>
+          </p:nvGrpSpPr>
+          <p:grpSpPr>
+            <a:xfrm>
+              <a:off x="5370135" y="1758904"/>
+              <a:ext cx="2611283" cy="2775758"/>
+              <a:chOff x="8065038" y="1412197"/>
+              <a:chExt cx="2611283" cy="2775758"/>
+            </a:xfrm>
+          </p:grpSpPr>
+          <p:pic>
+            <p:nvPicPr>
+              <p:cNvPr id="24" name="Picture 23">
+                <a:extLst>
+                  <a:ext uri="{FF2B5EF4-FFF2-40B4-BE49-F238E27FC236}">
+                    <a16:creationId xmlns:a16="http://schemas.microsoft.com/office/drawing/2014/main" id="{7FE3951F-928F-9D42-9BA9-D99291594326}"/>
+                  </a:ext>
+                </a:extLst>
+              </p:cNvPr>
+              <p:cNvPicPr>
+                <a:picLocks noChangeAspect="1"/>
+              </p:cNvPicPr>
+              <p:nvPr/>
+            </p:nvPicPr>
+            <p:blipFill>
+              <a:blip r:embed="rId3">
+                <a:duotone>
+                  <a:schemeClr val="accent1">
+                    <a:shade val="45000"/>
+                    <a:satMod val="135000"/>
+                  </a:schemeClr>
+                  <a:prstClr val="white"/>
+                </a:duotone>
+              </a:blip>
+              <a:stretch>
+                <a:fillRect/>
+              </a:stretch>
+            </p:blipFill>
+            <p:spPr>
+              <a:xfrm>
+                <a:off x="8065038" y="1715149"/>
+                <a:ext cx="2611283" cy="2472806"/>
+              </a:xfrm>
+              <a:prstGeom prst="rect">
+                <a:avLst/>
+              </a:prstGeom>
+            </p:spPr>
+          </p:pic>
+          <p:sp>
+            <p:nvSpPr>
+              <p:cNvPr id="26" name="Freeform 25">
+                <a:extLst>
+                  <a:ext uri="{FF2B5EF4-FFF2-40B4-BE49-F238E27FC236}">
+                    <a16:creationId xmlns:a16="http://schemas.microsoft.com/office/drawing/2014/main" id="{16E57C80-236A-F04C-A457-FFFE9D7A6B5C}"/>
+                  </a:ext>
+                </a:extLst>
+              </p:cNvPr>
+              <p:cNvSpPr/>
+              <p:nvPr/>
+            </p:nvSpPr>
+            <p:spPr>
+              <a:xfrm>
+                <a:off x="9171932" y="1784706"/>
+                <a:ext cx="248631" cy="599296"/>
+              </a:xfrm>
+              <a:custGeom>
+                <a:avLst/>
+                <a:gdLst>
+                  <a:gd name="connsiteX0" fmla="*/ 0 w 175131"/>
+                  <a:gd name="connsiteY0" fmla="*/ 0 h 422133"/>
+                  <a:gd name="connsiteX1" fmla="*/ 102741 w 175131"/>
+                  <a:gd name="connsiteY1" fmla="*/ 41097 h 422133"/>
+                  <a:gd name="connsiteX2" fmla="*/ 123290 w 175131"/>
+                  <a:gd name="connsiteY2" fmla="*/ 71920 h 422133"/>
+                  <a:gd name="connsiteX3" fmla="*/ 154112 w 175131"/>
+                  <a:gd name="connsiteY3" fmla="*/ 133564 h 422133"/>
+                  <a:gd name="connsiteX4" fmla="*/ 164386 w 175131"/>
+                  <a:gd name="connsiteY4" fmla="*/ 164387 h 422133"/>
+                  <a:gd name="connsiteX5" fmla="*/ 164386 w 175131"/>
+                  <a:gd name="connsiteY5" fmla="*/ 349322 h 422133"/>
+                  <a:gd name="connsiteX6" fmla="*/ 133564 w 175131"/>
+                  <a:gd name="connsiteY6" fmla="*/ 410967 h 422133"/>
+                </a:gdLst>
+                <a:ahLst/>
+                <a:cxnLst>
+                  <a:cxn ang="0">
+                    <a:pos x="connsiteX0" y="connsiteY0"/>
+                  </a:cxn>
+                  <a:cxn ang="0">
+                    <a:pos x="connsiteX1" y="connsiteY1"/>
+                  </a:cxn>
+                  <a:cxn ang="0">
+                    <a:pos x="connsiteX2" y="connsiteY2"/>
+                  </a:cxn>
+                  <a:cxn ang="0">
+                    <a:pos x="connsiteX3" y="connsiteY3"/>
+                  </a:cxn>
+                  <a:cxn ang="0">
+                    <a:pos x="connsiteX4" y="connsiteY4"/>
+                  </a:cxn>
+                  <a:cxn ang="0">
+                    <a:pos x="connsiteX5" y="connsiteY5"/>
+                  </a:cxn>
+                  <a:cxn ang="0">
+                    <a:pos x="connsiteX6" y="connsiteY6"/>
+                  </a:cxn>
+                </a:cxnLst>
+                <a:rect l="l" t="t" r="r" b="b"/>
+                <a:pathLst>
+                  <a:path w="175131" h="422133">
+                    <a:moveTo>
+                      <a:pt x="0" y="0"/>
+                    </a:moveTo>
+                    <a:cubicBezTo>
+                      <a:pt x="35200" y="10058"/>
+                      <a:pt x="75239" y="13595"/>
+                      <a:pt x="102741" y="41097"/>
+                    </a:cubicBezTo>
+                    <a:cubicBezTo>
+                      <a:pt x="111473" y="49829"/>
+                      <a:pt x="116440" y="61646"/>
+                      <a:pt x="123290" y="71920"/>
+                    </a:cubicBezTo>
+                    <a:cubicBezTo>
+                      <a:pt x="149115" y="149395"/>
+                      <a:pt x="114278" y="53894"/>
+                      <a:pt x="154112" y="133564"/>
+                    </a:cubicBezTo>
+                    <a:cubicBezTo>
+                      <a:pt x="158955" y="143251"/>
+                      <a:pt x="160961" y="154113"/>
+                      <a:pt x="164386" y="164387"/>
+                    </a:cubicBezTo>
+                    <a:cubicBezTo>
+                      <a:pt x="179012" y="266770"/>
+                      <a:pt x="178411" y="223097"/>
+                      <a:pt x="164386" y="349322"/>
+                    </a:cubicBezTo>
+                    <a:cubicBezTo>
+                      <a:pt x="155420" y="430017"/>
+                      <a:pt x="175016" y="431693"/>
+                      <a:pt x="133564" y="410967"/>
+                    </a:cubicBezTo>
+                  </a:path>
+                </a:pathLst>
+              </a:custGeom>
+              <a:noFill/>
+              <a:ln>
+                <a:headEnd type="none" w="med" len="med"/>
+                <a:tailEnd type="triangle" w="med" len="med"/>
+              </a:ln>
+            </p:spPr>
+            <p:style>
+              <a:lnRef idx="2">
+                <a:schemeClr val="accent1">
+                  <a:shade val="50000"/>
+                </a:schemeClr>
+              </a:lnRef>
+              <a:fillRef idx="1">
+                <a:schemeClr val="accent1"/>
+              </a:fillRef>
+              <a:effectRef idx="0">
+                <a:schemeClr val="accent1"/>
+              </a:effectRef>
+              <a:fontRef idx="minor">
+                <a:schemeClr val="lt1"/>
+              </a:fontRef>
+            </p:style>
+            <p:txBody>
+              <a:bodyPr rtlCol="0" anchor="ctr"/>
+              <a:lstStyle/>
+              <a:p>
+                <a:pPr algn="ctr"/>
+                <a:endParaRPr lang="en-DE"/>
+              </a:p>
+            </p:txBody>
+          </p:sp>
+          <p:pic>
+            <p:nvPicPr>
+              <p:cNvPr id="27" name="Picture 26">
+                <a:extLst>
+                  <a:ext uri="{FF2B5EF4-FFF2-40B4-BE49-F238E27FC236}">
+                    <a16:creationId xmlns:a16="http://schemas.microsoft.com/office/drawing/2014/main" id="{D0424106-A3C1-6C4B-8EA2-520748B26276}"/>
+                  </a:ext>
+                </a:extLst>
+              </p:cNvPr>
+              <p:cNvPicPr>
+                <a:picLocks noChangeAspect="1"/>
+              </p:cNvPicPr>
+              <p:nvPr/>
+            </p:nvPicPr>
+            <p:blipFill>
+              <a:blip r:embed="rId4"/>
+              <a:stretch>
+                <a:fillRect/>
+              </a:stretch>
+            </p:blipFill>
+            <p:spPr>
+              <a:xfrm>
+                <a:off x="8190360" y="1412197"/>
+                <a:ext cx="750883" cy="745017"/>
+              </a:xfrm>
+              <a:prstGeom prst="rect">
+                <a:avLst/>
+              </a:prstGeom>
+            </p:spPr>
+          </p:pic>
+        </p:grpSp>
+        <p:sp>
+          <p:nvSpPr>
+            <p:cNvPr id="30" name="TextBox 29">
+              <a:extLst>
+                <a:ext uri="{FF2B5EF4-FFF2-40B4-BE49-F238E27FC236}">
+                  <a16:creationId xmlns:a16="http://schemas.microsoft.com/office/drawing/2014/main" id="{10E4FE49-6B58-174F-9D78-FA0B4C856192}"/>
+                </a:ext>
+              </a:extLst>
+            </p:cNvPr>
+            <p:cNvSpPr txBox="1"/>
+            <p:nvPr/>
+          </p:nvSpPr>
+          <p:spPr>
+            <a:xfrm>
+              <a:off x="5735793" y="4230000"/>
+              <a:ext cx="2245625" cy="369332"/>
             </a:xfrm>
             <a:prstGeom prst="rect">
               <a:avLst/>
@@ -3665,411 +4072,25 @@
             <a:lstStyle/>
             <a:p>
               <a:r>
+                <a:rPr lang="en-GB" dirty="0">
+                  <a:solidFill>
+                    <a:srgbClr val="00B050"/>
+                  </a:solidFill>
+                </a:rPr>
+                <a:t>m</a:t>
+              </a:r>
+              <a:r>
                 <a:rPr lang="en-DE" dirty="0">
                   <a:solidFill>
-                    <a:srgbClr val="FF0000"/>
+                    <a:srgbClr val="00B050"/>
                   </a:solidFill>
                 </a:rPr>
-                <a:t>5</a:t>
+                <a:t>y_variable_image</a:t>
               </a:r>
             </a:p>
           </p:txBody>
         </p:sp>
-        <p:sp>
-          <p:nvSpPr>
-            <p:cNvPr id="18" name="Freeform 17">
-              <a:extLst>
-                <a:ext uri="{FF2B5EF4-FFF2-40B4-BE49-F238E27FC236}">
-                  <a16:creationId xmlns:a16="http://schemas.microsoft.com/office/drawing/2014/main" id="{37D04DB5-9570-4747-A254-33A2BFB3A303}"/>
-                </a:ext>
-              </a:extLst>
-            </p:cNvPr>
-            <p:cNvSpPr/>
-            <p:nvPr/>
-          </p:nvSpPr>
-          <p:spPr>
-            <a:xfrm>
-              <a:off x="1890368" y="2337162"/>
-              <a:ext cx="248631" cy="599296"/>
-            </a:xfrm>
-            <a:custGeom>
-              <a:avLst/>
-              <a:gdLst>
-                <a:gd name="connsiteX0" fmla="*/ 0 w 175131"/>
-                <a:gd name="connsiteY0" fmla="*/ 0 h 422133"/>
-                <a:gd name="connsiteX1" fmla="*/ 102741 w 175131"/>
-                <a:gd name="connsiteY1" fmla="*/ 41097 h 422133"/>
-                <a:gd name="connsiteX2" fmla="*/ 123290 w 175131"/>
-                <a:gd name="connsiteY2" fmla="*/ 71920 h 422133"/>
-                <a:gd name="connsiteX3" fmla="*/ 154112 w 175131"/>
-                <a:gd name="connsiteY3" fmla="*/ 133564 h 422133"/>
-                <a:gd name="connsiteX4" fmla="*/ 164386 w 175131"/>
-                <a:gd name="connsiteY4" fmla="*/ 164387 h 422133"/>
-                <a:gd name="connsiteX5" fmla="*/ 164386 w 175131"/>
-                <a:gd name="connsiteY5" fmla="*/ 349322 h 422133"/>
-                <a:gd name="connsiteX6" fmla="*/ 133564 w 175131"/>
-                <a:gd name="connsiteY6" fmla="*/ 410967 h 422133"/>
-              </a:gdLst>
-              <a:ahLst/>
-              <a:cxnLst>
-                <a:cxn ang="0">
-                  <a:pos x="connsiteX0" y="connsiteY0"/>
-                </a:cxn>
-                <a:cxn ang="0">
-                  <a:pos x="connsiteX1" y="connsiteY1"/>
-                </a:cxn>
-                <a:cxn ang="0">
-                  <a:pos x="connsiteX2" y="connsiteY2"/>
-                </a:cxn>
-                <a:cxn ang="0">
-                  <a:pos x="connsiteX3" y="connsiteY3"/>
-                </a:cxn>
-                <a:cxn ang="0">
-                  <a:pos x="connsiteX4" y="connsiteY4"/>
-                </a:cxn>
-                <a:cxn ang="0">
-                  <a:pos x="connsiteX5" y="connsiteY5"/>
-                </a:cxn>
-                <a:cxn ang="0">
-                  <a:pos x="connsiteX6" y="connsiteY6"/>
-                </a:cxn>
-              </a:cxnLst>
-              <a:rect l="l" t="t" r="r" b="b"/>
-              <a:pathLst>
-                <a:path w="175131" h="422133">
-                  <a:moveTo>
-                    <a:pt x="0" y="0"/>
-                  </a:moveTo>
-                  <a:cubicBezTo>
-                    <a:pt x="35200" y="10058"/>
-                    <a:pt x="75239" y="13595"/>
-                    <a:pt x="102741" y="41097"/>
-                  </a:cubicBezTo>
-                  <a:cubicBezTo>
-                    <a:pt x="111473" y="49829"/>
-                    <a:pt x="116440" y="61646"/>
-                    <a:pt x="123290" y="71920"/>
-                  </a:cubicBezTo>
-                  <a:cubicBezTo>
-                    <a:pt x="149115" y="149395"/>
-                    <a:pt x="114278" y="53894"/>
-                    <a:pt x="154112" y="133564"/>
-                  </a:cubicBezTo>
-                  <a:cubicBezTo>
-                    <a:pt x="158955" y="143251"/>
-                    <a:pt x="160961" y="154113"/>
-                    <a:pt x="164386" y="164387"/>
-                  </a:cubicBezTo>
-                  <a:cubicBezTo>
-                    <a:pt x="179012" y="266770"/>
-                    <a:pt x="178411" y="223097"/>
-                    <a:pt x="164386" y="349322"/>
-                  </a:cubicBezTo>
-                  <a:cubicBezTo>
-                    <a:pt x="155420" y="430017"/>
-                    <a:pt x="175016" y="431693"/>
-                    <a:pt x="133564" y="410967"/>
-                  </a:cubicBezTo>
-                </a:path>
-              </a:pathLst>
-            </a:custGeom>
-            <a:noFill/>
-            <a:ln>
-              <a:headEnd type="none" w="med" len="med"/>
-              <a:tailEnd type="triangle" w="med" len="med"/>
-            </a:ln>
-          </p:spPr>
-          <p:style>
-            <a:lnRef idx="2">
-              <a:schemeClr val="accent1">
-                <a:shade val="50000"/>
-              </a:schemeClr>
-            </a:lnRef>
-            <a:fillRef idx="1">
-              <a:schemeClr val="accent1"/>
-            </a:fillRef>
-            <a:effectRef idx="0">
-              <a:schemeClr val="accent1"/>
-            </a:effectRef>
-            <a:fontRef idx="minor">
-              <a:schemeClr val="lt1"/>
-            </a:fontRef>
-          </p:style>
-          <p:txBody>
-            <a:bodyPr rtlCol="0" anchor="ctr"/>
-            <a:lstStyle/>
-            <a:p>
-              <a:pPr algn="ctr"/>
-              <a:endParaRPr lang="en-DE"/>
-            </a:p>
-          </p:txBody>
-        </p:sp>
       </p:grpSp>
-      <p:grpSp>
-        <p:nvGrpSpPr>
-          <p:cNvPr id="29" name="Group 28">
-            <a:extLst>
-              <a:ext uri="{FF2B5EF4-FFF2-40B4-BE49-F238E27FC236}">
-                <a16:creationId xmlns:a16="http://schemas.microsoft.com/office/drawing/2014/main" id="{BD7B65EA-33BF-1E4D-8F7E-EECDCFB29745}"/>
-              </a:ext>
-            </a:extLst>
-          </p:cNvPr>
-          <p:cNvGrpSpPr/>
-          <p:nvPr/>
-        </p:nvGrpSpPr>
-        <p:grpSpPr>
-          <a:xfrm>
-            <a:off x="5370135" y="1758904"/>
-            <a:ext cx="2611283" cy="2775758"/>
-            <a:chOff x="8065038" y="1412197"/>
-            <a:chExt cx="2611283" cy="2775758"/>
-          </a:xfrm>
-        </p:grpSpPr>
-        <p:pic>
-          <p:nvPicPr>
-            <p:cNvPr id="24" name="Picture 23">
-              <a:extLst>
-                <a:ext uri="{FF2B5EF4-FFF2-40B4-BE49-F238E27FC236}">
-                  <a16:creationId xmlns:a16="http://schemas.microsoft.com/office/drawing/2014/main" id="{7FE3951F-928F-9D42-9BA9-D99291594326}"/>
-                </a:ext>
-              </a:extLst>
-            </p:cNvPr>
-            <p:cNvPicPr>
-              <a:picLocks noChangeAspect="1"/>
-            </p:cNvPicPr>
-            <p:nvPr/>
-          </p:nvPicPr>
-          <p:blipFill>
-            <a:blip r:embed="rId3">
-              <a:duotone>
-                <a:schemeClr val="accent1">
-                  <a:shade val="45000"/>
-                  <a:satMod val="135000"/>
-                </a:schemeClr>
-                <a:prstClr val="white"/>
-              </a:duotone>
-            </a:blip>
-            <a:stretch>
-              <a:fillRect/>
-            </a:stretch>
-          </p:blipFill>
-          <p:spPr>
-            <a:xfrm>
-              <a:off x="8065038" y="1715149"/>
-              <a:ext cx="2611283" cy="2472806"/>
-            </a:xfrm>
-            <a:prstGeom prst="rect">
-              <a:avLst/>
-            </a:prstGeom>
-          </p:spPr>
-        </p:pic>
-        <p:sp>
-          <p:nvSpPr>
-            <p:cNvPr id="26" name="Freeform 25">
-              <a:extLst>
-                <a:ext uri="{FF2B5EF4-FFF2-40B4-BE49-F238E27FC236}">
-                  <a16:creationId xmlns:a16="http://schemas.microsoft.com/office/drawing/2014/main" id="{16E57C80-236A-F04C-A457-FFFE9D7A6B5C}"/>
-                </a:ext>
-              </a:extLst>
-            </p:cNvPr>
-            <p:cNvSpPr/>
-            <p:nvPr/>
-          </p:nvSpPr>
-          <p:spPr>
-            <a:xfrm>
-              <a:off x="9171932" y="1784706"/>
-              <a:ext cx="248631" cy="599296"/>
-            </a:xfrm>
-            <a:custGeom>
-              <a:avLst/>
-              <a:gdLst>
-                <a:gd name="connsiteX0" fmla="*/ 0 w 175131"/>
-                <a:gd name="connsiteY0" fmla="*/ 0 h 422133"/>
-                <a:gd name="connsiteX1" fmla="*/ 102741 w 175131"/>
-                <a:gd name="connsiteY1" fmla="*/ 41097 h 422133"/>
-                <a:gd name="connsiteX2" fmla="*/ 123290 w 175131"/>
-                <a:gd name="connsiteY2" fmla="*/ 71920 h 422133"/>
-                <a:gd name="connsiteX3" fmla="*/ 154112 w 175131"/>
-                <a:gd name="connsiteY3" fmla="*/ 133564 h 422133"/>
-                <a:gd name="connsiteX4" fmla="*/ 164386 w 175131"/>
-                <a:gd name="connsiteY4" fmla="*/ 164387 h 422133"/>
-                <a:gd name="connsiteX5" fmla="*/ 164386 w 175131"/>
-                <a:gd name="connsiteY5" fmla="*/ 349322 h 422133"/>
-                <a:gd name="connsiteX6" fmla="*/ 133564 w 175131"/>
-                <a:gd name="connsiteY6" fmla="*/ 410967 h 422133"/>
-              </a:gdLst>
-              <a:ahLst/>
-              <a:cxnLst>
-                <a:cxn ang="0">
-                  <a:pos x="connsiteX0" y="connsiteY0"/>
-                </a:cxn>
-                <a:cxn ang="0">
-                  <a:pos x="connsiteX1" y="connsiteY1"/>
-                </a:cxn>
-                <a:cxn ang="0">
-                  <a:pos x="connsiteX2" y="connsiteY2"/>
-                </a:cxn>
-                <a:cxn ang="0">
-                  <a:pos x="connsiteX3" y="connsiteY3"/>
-                </a:cxn>
-                <a:cxn ang="0">
-                  <a:pos x="connsiteX4" y="connsiteY4"/>
-                </a:cxn>
-                <a:cxn ang="0">
-                  <a:pos x="connsiteX5" y="connsiteY5"/>
-                </a:cxn>
-                <a:cxn ang="0">
-                  <a:pos x="connsiteX6" y="connsiteY6"/>
-                </a:cxn>
-              </a:cxnLst>
-              <a:rect l="l" t="t" r="r" b="b"/>
-              <a:pathLst>
-                <a:path w="175131" h="422133">
-                  <a:moveTo>
-                    <a:pt x="0" y="0"/>
-                  </a:moveTo>
-                  <a:cubicBezTo>
-                    <a:pt x="35200" y="10058"/>
-                    <a:pt x="75239" y="13595"/>
-                    <a:pt x="102741" y="41097"/>
-                  </a:cubicBezTo>
-                  <a:cubicBezTo>
-                    <a:pt x="111473" y="49829"/>
-                    <a:pt x="116440" y="61646"/>
-                    <a:pt x="123290" y="71920"/>
-                  </a:cubicBezTo>
-                  <a:cubicBezTo>
-                    <a:pt x="149115" y="149395"/>
-                    <a:pt x="114278" y="53894"/>
-                    <a:pt x="154112" y="133564"/>
-                  </a:cubicBezTo>
-                  <a:cubicBezTo>
-                    <a:pt x="158955" y="143251"/>
-                    <a:pt x="160961" y="154113"/>
-                    <a:pt x="164386" y="164387"/>
-                  </a:cubicBezTo>
-                  <a:cubicBezTo>
-                    <a:pt x="179012" y="266770"/>
-                    <a:pt x="178411" y="223097"/>
-                    <a:pt x="164386" y="349322"/>
-                  </a:cubicBezTo>
-                  <a:cubicBezTo>
-                    <a:pt x="155420" y="430017"/>
-                    <a:pt x="175016" y="431693"/>
-                    <a:pt x="133564" y="410967"/>
-                  </a:cubicBezTo>
-                </a:path>
-              </a:pathLst>
-            </a:custGeom>
-            <a:noFill/>
-            <a:ln>
-              <a:headEnd type="none" w="med" len="med"/>
-              <a:tailEnd type="triangle" w="med" len="med"/>
-            </a:ln>
-          </p:spPr>
-          <p:style>
-            <a:lnRef idx="2">
-              <a:schemeClr val="accent1">
-                <a:shade val="50000"/>
-              </a:schemeClr>
-            </a:lnRef>
-            <a:fillRef idx="1">
-              <a:schemeClr val="accent1"/>
-            </a:fillRef>
-            <a:effectRef idx="0">
-              <a:schemeClr val="accent1"/>
-            </a:effectRef>
-            <a:fontRef idx="minor">
-              <a:schemeClr val="lt1"/>
-            </a:fontRef>
-          </p:style>
-          <p:txBody>
-            <a:bodyPr rtlCol="0" anchor="ctr"/>
-            <a:lstStyle/>
-            <a:p>
-              <a:pPr algn="ctr"/>
-              <a:endParaRPr lang="en-DE"/>
-            </a:p>
-          </p:txBody>
-        </p:sp>
-        <p:pic>
-          <p:nvPicPr>
-            <p:cNvPr id="27" name="Picture 26">
-              <a:extLst>
-                <a:ext uri="{FF2B5EF4-FFF2-40B4-BE49-F238E27FC236}">
-                  <a16:creationId xmlns:a16="http://schemas.microsoft.com/office/drawing/2014/main" id="{D0424106-A3C1-6C4B-8EA2-520748B26276}"/>
-                </a:ext>
-              </a:extLst>
-            </p:cNvPr>
-            <p:cNvPicPr>
-              <a:picLocks noChangeAspect="1"/>
-            </p:cNvPicPr>
-            <p:nvPr/>
-          </p:nvPicPr>
-          <p:blipFill>
-            <a:blip r:embed="rId4"/>
-            <a:stretch>
-              <a:fillRect/>
-            </a:stretch>
-          </p:blipFill>
-          <p:spPr>
-            <a:xfrm>
-              <a:off x="8190360" y="1412197"/>
-              <a:ext cx="750883" cy="745017"/>
-            </a:xfrm>
-            <a:prstGeom prst="rect">
-              <a:avLst/>
-            </a:prstGeom>
-          </p:spPr>
-        </p:pic>
-      </p:grpSp>
-      <p:sp>
-        <p:nvSpPr>
-          <p:cNvPr id="30" name="TextBox 29">
-            <a:extLst>
-              <a:ext uri="{FF2B5EF4-FFF2-40B4-BE49-F238E27FC236}">
-                <a16:creationId xmlns:a16="http://schemas.microsoft.com/office/drawing/2014/main" id="{10E4FE49-6B58-174F-9D78-FA0B4C856192}"/>
-              </a:ext>
-            </a:extLst>
-          </p:cNvPr>
-          <p:cNvSpPr txBox="1"/>
-          <p:nvPr/>
-        </p:nvSpPr>
-        <p:spPr>
-          <a:xfrm>
-            <a:off x="5735793" y="4230000"/>
-            <a:ext cx="2245625" cy="369332"/>
-          </a:xfrm>
-          <a:prstGeom prst="rect">
-            <a:avLst/>
-          </a:prstGeom>
-          <a:noFill/>
-        </p:spPr>
-        <p:txBody>
-          <a:bodyPr wrap="square" rtlCol="0">
-            <a:spAutoFit/>
-          </a:bodyPr>
-          <a:lstStyle/>
-          <a:p>
-            <a:r>
-              <a:rPr lang="en-GB" dirty="0">
-                <a:solidFill>
-                  <a:srgbClr val="00B050"/>
-                </a:solidFill>
-              </a:rPr>
-              <a:t>m</a:t>
-            </a:r>
-            <a:r>
-              <a:rPr lang="en-DE" dirty="0">
-                <a:solidFill>
-                  <a:srgbClr val="00B050"/>
-                </a:solidFill>
-              </a:rPr>
-              <a:t>y_variable_image</a:t>
-            </a:r>
-          </a:p>
-        </p:txBody>
-      </p:sp>
     </p:spTree>
     <p:extLst>
       <p:ext uri="{BB962C8B-B14F-4D97-AF65-F5344CB8AC3E}">
